--- a/CRTraining.pptx
+++ b/CRTraining.pptx
@@ -203,7 +203,7 @@
           <a:p>
             <a:fld id="{7BAEC247-7D35-0146-B891-A6104CEBEF08}" type="datetimeFigureOut">
               <a:rPr lang="en-US" smtClean="0"/>
-              <a:t>10/19/18</a:t>
+              <a:t>10/22/18</a:t>
             </a:fld>
             <a:endParaRPr lang="en-US"/>
           </a:p>
@@ -1205,7 +1205,7 @@
           <a:p>
             <a:fld id="{C41565D2-A4B8-4F44-B5B5-9F5A49E2E565}" type="datetimeFigureOut">
               <a:rPr lang="en-US" smtClean="0"/>
-              <a:t>10/19/18</a:t>
+              <a:t>10/22/18</a:t>
             </a:fld>
             <a:endParaRPr lang="en-US"/>
           </a:p>
@@ -1403,7 +1403,7 @@
           <a:p>
             <a:fld id="{C41565D2-A4B8-4F44-B5B5-9F5A49E2E565}" type="datetimeFigureOut">
               <a:rPr lang="en-US" smtClean="0"/>
-              <a:t>10/19/18</a:t>
+              <a:t>10/22/18</a:t>
             </a:fld>
             <a:endParaRPr lang="en-US"/>
           </a:p>
@@ -1611,7 +1611,7 @@
           <a:p>
             <a:fld id="{C41565D2-A4B8-4F44-B5B5-9F5A49E2E565}" type="datetimeFigureOut">
               <a:rPr lang="en-US" smtClean="0"/>
-              <a:t>10/19/18</a:t>
+              <a:t>10/22/18</a:t>
             </a:fld>
             <a:endParaRPr lang="en-US"/>
           </a:p>
@@ -1809,7 +1809,7 @@
           <a:p>
             <a:fld id="{C41565D2-A4B8-4F44-B5B5-9F5A49E2E565}" type="datetimeFigureOut">
               <a:rPr lang="en-US" smtClean="0"/>
-              <a:t>10/19/18</a:t>
+              <a:t>10/22/18</a:t>
             </a:fld>
             <a:endParaRPr lang="en-US"/>
           </a:p>
@@ -2084,7 +2084,7 @@
           <a:p>
             <a:fld id="{C41565D2-A4B8-4F44-B5B5-9F5A49E2E565}" type="datetimeFigureOut">
               <a:rPr lang="en-US" smtClean="0"/>
-              <a:t>10/19/18</a:t>
+              <a:t>10/22/18</a:t>
             </a:fld>
             <a:endParaRPr lang="en-US"/>
           </a:p>
@@ -2349,7 +2349,7 @@
           <a:p>
             <a:fld id="{C41565D2-A4B8-4F44-B5B5-9F5A49E2E565}" type="datetimeFigureOut">
               <a:rPr lang="en-US" smtClean="0"/>
-              <a:t>10/19/18</a:t>
+              <a:t>10/22/18</a:t>
             </a:fld>
             <a:endParaRPr lang="en-US"/>
           </a:p>
@@ -2761,7 +2761,7 @@
           <a:p>
             <a:fld id="{C41565D2-A4B8-4F44-B5B5-9F5A49E2E565}" type="datetimeFigureOut">
               <a:rPr lang="en-US" smtClean="0"/>
-              <a:t>10/19/18</a:t>
+              <a:t>10/22/18</a:t>
             </a:fld>
             <a:endParaRPr lang="en-US"/>
           </a:p>
@@ -2902,7 +2902,7 @@
           <a:p>
             <a:fld id="{C41565D2-A4B8-4F44-B5B5-9F5A49E2E565}" type="datetimeFigureOut">
               <a:rPr lang="en-US" smtClean="0"/>
-              <a:t>10/19/18</a:t>
+              <a:t>10/22/18</a:t>
             </a:fld>
             <a:endParaRPr lang="en-US"/>
           </a:p>
@@ -3015,7 +3015,7 @@
           <a:p>
             <a:fld id="{C41565D2-A4B8-4F44-B5B5-9F5A49E2E565}" type="datetimeFigureOut">
               <a:rPr lang="en-US" smtClean="0"/>
-              <a:t>10/19/18</a:t>
+              <a:t>10/22/18</a:t>
             </a:fld>
             <a:endParaRPr lang="en-US"/>
           </a:p>
@@ -3326,7 +3326,7 @@
           <a:p>
             <a:fld id="{C41565D2-A4B8-4F44-B5B5-9F5A49E2E565}" type="datetimeFigureOut">
               <a:rPr lang="en-US" smtClean="0"/>
-              <a:t>10/19/18</a:t>
+              <a:t>10/22/18</a:t>
             </a:fld>
             <a:endParaRPr lang="en-US"/>
           </a:p>
@@ -3614,7 +3614,7 @@
           <a:p>
             <a:fld id="{C41565D2-A4B8-4F44-B5B5-9F5A49E2E565}" type="datetimeFigureOut">
               <a:rPr lang="en-US" smtClean="0"/>
-              <a:t>10/19/18</a:t>
+              <a:t>10/22/18</a:t>
             </a:fld>
             <a:endParaRPr lang="en-US"/>
           </a:p>
@@ -3855,7 +3855,7 @@
           <a:p>
             <a:fld id="{C41565D2-A4B8-4F44-B5B5-9F5A49E2E565}" type="datetimeFigureOut">
               <a:rPr lang="en-US" smtClean="0"/>
-              <a:t>10/19/18</a:t>
+              <a:t>10/22/18</a:t>
             </a:fld>
             <a:endParaRPr lang="en-US"/>
           </a:p>
@@ -4438,7 +4438,7 @@
         </p:blipFill>
         <p:spPr>
           <a:xfrm>
-            <a:off x="2371153" y="1658983"/>
+            <a:off x="2113676" y="1628161"/>
             <a:ext cx="7615328" cy="3408259"/>
           </a:xfrm>
           <a:prstGeom prst="rect">
@@ -4518,126 +4518,6 @@
           </a:p>
         </p:txBody>
       </p:sp>
-      <p:pic>
-        <p:nvPicPr>
-          <p:cNvPr id="3" name="Picture 2">
-            <a:extLst>
-              <a:ext uri="{FF2B5EF4-FFF2-40B4-BE49-F238E27FC236}">
-                <a16:creationId xmlns:a16="http://schemas.microsoft.com/office/drawing/2014/main" id="{6D5C4E9B-317C-0B41-B42F-43A7FD29F259}"/>
-              </a:ext>
-            </a:extLst>
-          </p:cNvPr>
-          <p:cNvPicPr>
-            <a:picLocks noChangeAspect="1"/>
-          </p:cNvPicPr>
-          <p:nvPr/>
-        </p:nvPicPr>
-        <p:blipFill>
-          <a:blip r:embed="rId3"/>
-          <a:stretch>
-            <a:fillRect/>
-          </a:stretch>
-        </p:blipFill>
-        <p:spPr>
-          <a:xfrm>
-            <a:off x="6474955" y="4414065"/>
-            <a:ext cx="1525700" cy="1525700"/>
-          </a:xfrm>
-          <a:prstGeom prst="rect">
-            <a:avLst/>
-          </a:prstGeom>
-        </p:spPr>
-      </p:pic>
-      <p:pic>
-        <p:nvPicPr>
-          <p:cNvPr id="4" name="Picture 3">
-            <a:extLst>
-              <a:ext uri="{FF2B5EF4-FFF2-40B4-BE49-F238E27FC236}">
-                <a16:creationId xmlns:a16="http://schemas.microsoft.com/office/drawing/2014/main" id="{18200BA9-B7AE-2E4E-94A4-D42FD82C9F93}"/>
-              </a:ext>
-            </a:extLst>
-          </p:cNvPr>
-          <p:cNvPicPr>
-            <a:picLocks noChangeAspect="1"/>
-          </p:cNvPicPr>
-          <p:nvPr/>
-        </p:nvPicPr>
-        <p:blipFill>
-          <a:blip r:embed="rId4"/>
-          <a:stretch>
-            <a:fillRect/>
-          </a:stretch>
-        </p:blipFill>
-        <p:spPr>
-          <a:xfrm>
-            <a:off x="1416767" y="4654620"/>
-            <a:ext cx="1151775" cy="1151775"/>
-          </a:xfrm>
-          <a:prstGeom prst="rect">
-            <a:avLst/>
-          </a:prstGeom>
-        </p:spPr>
-      </p:pic>
-      <p:pic>
-        <p:nvPicPr>
-          <p:cNvPr id="8" name="Picture 7">
-            <a:extLst>
-              <a:ext uri="{FF2B5EF4-FFF2-40B4-BE49-F238E27FC236}">
-                <a16:creationId xmlns:a16="http://schemas.microsoft.com/office/drawing/2014/main" id="{33E87A83-446C-FD46-AB99-3A746636FC0B}"/>
-              </a:ext>
-            </a:extLst>
-          </p:cNvPr>
-          <p:cNvPicPr>
-            <a:picLocks noChangeAspect="1"/>
-          </p:cNvPicPr>
-          <p:nvPr/>
-        </p:nvPicPr>
-        <p:blipFill>
-          <a:blip r:embed="rId5"/>
-          <a:stretch>
-            <a:fillRect/>
-          </a:stretch>
-        </p:blipFill>
-        <p:spPr>
-          <a:xfrm>
-            <a:off x="9473916" y="4575684"/>
-            <a:ext cx="1079368" cy="1079368"/>
-          </a:xfrm>
-          <a:prstGeom prst="rect">
-            <a:avLst/>
-          </a:prstGeom>
-        </p:spPr>
-      </p:pic>
-      <p:pic>
-        <p:nvPicPr>
-          <p:cNvPr id="9" name="Picture 8">
-            <a:extLst>
-              <a:ext uri="{FF2B5EF4-FFF2-40B4-BE49-F238E27FC236}">
-                <a16:creationId xmlns:a16="http://schemas.microsoft.com/office/drawing/2014/main" id="{B01EDF5A-453E-B144-9CC3-738A68D39BB2}"/>
-              </a:ext>
-            </a:extLst>
-          </p:cNvPr>
-          <p:cNvPicPr>
-            <a:picLocks noChangeAspect="1"/>
-          </p:cNvPicPr>
-          <p:nvPr/>
-        </p:nvPicPr>
-        <p:blipFill>
-          <a:blip r:embed="rId6"/>
-          <a:stretch>
-            <a:fillRect/>
-          </a:stretch>
-        </p:blipFill>
-        <p:spPr>
-          <a:xfrm>
-            <a:off x="3976095" y="4665963"/>
-            <a:ext cx="1140432" cy="1140432"/>
-          </a:xfrm>
-          <a:prstGeom prst="rect">
-            <a:avLst/>
-          </a:prstGeom>
-        </p:spPr>
-      </p:pic>
       <p:sp>
         <p:nvSpPr>
           <p:cNvPr id="11" name="TextBox 10">
